--- a/БФ/2.14 Потенциал действия. Характерные черты потенциала действия. Ионная природа потенциала действия..pptx
+++ b/БФ/2.14 Потенциал действия. Характерные черты потенциала действия. Ионная природа потенциала действия..pptx
@@ -10,6 +10,7 @@
     <p:sldId id="258" r:id="rId4"/>
     <p:sldId id="259" r:id="rId5"/>
     <p:sldId id="260" r:id="rId6"/>
+    <p:sldId id="261" r:id="rId7"/>
   </p:sldIdLst>
   <p:sldSz cx="12192000" cy="6858000"/>
   <p:notesSz cx="6858000" cy="9144000"/>
@@ -108,6 +109,11 @@
       </a:defRPr>
     </a:lvl9pPr>
   </p:defaultTextStyle>
+  <p:extLst>
+    <p:ext uri="{EFAFB233-063F-42B5-8137-9DF3F51BA10A}">
+      <p15:sldGuideLst xmlns:p15="http://schemas.microsoft.com/office/powerpoint/2012/main"/>
+    </p:ext>
+  </p:extLst>
 </p:presentation>
 </file>
 
@@ -260,7 +266,7 @@
           <a:p>
             <a:fld id="{825F02D5-E8AB-4E1F-BBBB-FE64A83E11BE}" type="datetimeFigureOut">
               <a:rPr lang="en-US" smtClean="0"/>
-              <a:t>5/23/2024</a:t>
+              <a:t>5/25/2024</a:t>
             </a:fld>
             <a:endParaRPr lang="en-US"/>
           </a:p>
@@ -460,7 +466,7 @@
           <a:p>
             <a:fld id="{825F02D5-E8AB-4E1F-BBBB-FE64A83E11BE}" type="datetimeFigureOut">
               <a:rPr lang="en-US" smtClean="0"/>
-              <a:t>5/23/2024</a:t>
+              <a:t>5/25/2024</a:t>
             </a:fld>
             <a:endParaRPr lang="en-US"/>
           </a:p>
@@ -670,7 +676,7 @@
           <a:p>
             <a:fld id="{825F02D5-E8AB-4E1F-BBBB-FE64A83E11BE}" type="datetimeFigureOut">
               <a:rPr lang="en-US" smtClean="0"/>
-              <a:t>5/23/2024</a:t>
+              <a:t>5/25/2024</a:t>
             </a:fld>
             <a:endParaRPr lang="en-US"/>
           </a:p>
@@ -870,7 +876,7 @@
           <a:p>
             <a:fld id="{825F02D5-E8AB-4E1F-BBBB-FE64A83E11BE}" type="datetimeFigureOut">
               <a:rPr lang="en-US" smtClean="0"/>
-              <a:t>5/23/2024</a:t>
+              <a:t>5/25/2024</a:t>
             </a:fld>
             <a:endParaRPr lang="en-US"/>
           </a:p>
@@ -1146,7 +1152,7 @@
           <a:p>
             <a:fld id="{825F02D5-E8AB-4E1F-BBBB-FE64A83E11BE}" type="datetimeFigureOut">
               <a:rPr lang="en-US" smtClean="0"/>
-              <a:t>5/23/2024</a:t>
+              <a:t>5/25/2024</a:t>
             </a:fld>
             <a:endParaRPr lang="en-US"/>
           </a:p>
@@ -1414,7 +1420,7 @@
           <a:p>
             <a:fld id="{825F02D5-E8AB-4E1F-BBBB-FE64A83E11BE}" type="datetimeFigureOut">
               <a:rPr lang="en-US" smtClean="0"/>
-              <a:t>5/23/2024</a:t>
+              <a:t>5/25/2024</a:t>
             </a:fld>
             <a:endParaRPr lang="en-US"/>
           </a:p>
@@ -1829,7 +1835,7 @@
           <a:p>
             <a:fld id="{825F02D5-E8AB-4E1F-BBBB-FE64A83E11BE}" type="datetimeFigureOut">
               <a:rPr lang="en-US" smtClean="0"/>
-              <a:t>5/23/2024</a:t>
+              <a:t>5/25/2024</a:t>
             </a:fld>
             <a:endParaRPr lang="en-US"/>
           </a:p>
@@ -1971,7 +1977,7 @@
           <a:p>
             <a:fld id="{825F02D5-E8AB-4E1F-BBBB-FE64A83E11BE}" type="datetimeFigureOut">
               <a:rPr lang="en-US" smtClean="0"/>
-              <a:t>5/23/2024</a:t>
+              <a:t>5/25/2024</a:t>
             </a:fld>
             <a:endParaRPr lang="en-US"/>
           </a:p>
@@ -2084,7 +2090,7 @@
           <a:p>
             <a:fld id="{825F02D5-E8AB-4E1F-BBBB-FE64A83E11BE}" type="datetimeFigureOut">
               <a:rPr lang="en-US" smtClean="0"/>
-              <a:t>5/23/2024</a:t>
+              <a:t>5/25/2024</a:t>
             </a:fld>
             <a:endParaRPr lang="en-US"/>
           </a:p>
@@ -2397,7 +2403,7 @@
           <a:p>
             <a:fld id="{825F02D5-E8AB-4E1F-BBBB-FE64A83E11BE}" type="datetimeFigureOut">
               <a:rPr lang="en-US" smtClean="0"/>
-              <a:t>5/23/2024</a:t>
+              <a:t>5/25/2024</a:t>
             </a:fld>
             <a:endParaRPr lang="en-US"/>
           </a:p>
@@ -2686,7 +2692,7 @@
           <a:p>
             <a:fld id="{825F02D5-E8AB-4E1F-BBBB-FE64A83E11BE}" type="datetimeFigureOut">
               <a:rPr lang="en-US" smtClean="0"/>
-              <a:t>5/23/2024</a:t>
+              <a:t>5/25/2024</a:t>
             </a:fld>
             <a:endParaRPr lang="en-US"/>
           </a:p>
@@ -2929,7 +2935,7 @@
           <a:p>
             <a:fld id="{825F02D5-E8AB-4E1F-BBBB-FE64A83E11BE}" type="datetimeFigureOut">
               <a:rPr lang="en-US" smtClean="0"/>
-              <a:t>5/23/2024</a:t>
+              <a:t>5/25/2024</a:t>
             </a:fld>
             <a:endParaRPr lang="en-US"/>
           </a:p>
@@ -3371,7 +3377,7 @@
               <a:rPr lang="ru-RU" dirty="0">
                 <a:latin typeface="EoSD" pitchFamily="2" charset="0"/>
               </a:rPr>
-              <a:t>Электрохимический градиент</a:t>
+              <a:t>ПД</a:t>
             </a:r>
             <a:endParaRPr lang="en-US" dirty="0">
               <a:latin typeface="EoSD" pitchFamily="2" charset="0"/>
@@ -3404,7 +3410,7 @@
               <a:rPr lang="ru-RU" dirty="0">
                 <a:latin typeface="EoSD" pitchFamily="2" charset="0"/>
               </a:rPr>
-              <a:t>Как движущая сила вещества</a:t>
+              <a:t>Характерные особенности ПД. Ионная природа</a:t>
             </a:r>
             <a:endParaRPr lang="en-US" dirty="0">
               <a:latin typeface="EoSD" pitchFamily="2" charset="0"/>
@@ -3412,62 +3418,6 @@
           </a:p>
         </p:txBody>
       </p:sp>
-      <p:pic>
-        <p:nvPicPr>
-          <p:cNvPr id="1026" name="Picture 2" descr="Picture background">
-            <a:extLst>
-              <a:ext uri="{FF2B5EF4-FFF2-40B4-BE49-F238E27FC236}">
-                <a16:creationId xmlns:a16="http://schemas.microsoft.com/office/drawing/2014/main" id="{7EC3E785-B372-4CF9-B110-575207124D28}"/>
-              </a:ext>
-            </a:extLst>
-          </p:cNvPr>
-          <p:cNvPicPr>
-            <a:picLocks noChangeAspect="1" noChangeArrowheads="1"/>
-          </p:cNvPicPr>
-          <p:nvPr/>
-        </p:nvPicPr>
-        <p:blipFill>
-          <a:blip r:embed="rId2">
-            <a:extLst>
-              <a:ext uri="{BEBA8EAE-BF5A-486C-A8C5-ECC9F3942E4B}">
-                <a14:imgProps xmlns:a14="http://schemas.microsoft.com/office/drawing/2010/main">
-                  <a14:imgLayer r:embed="rId3">
-                    <a14:imgEffect>
-                      <a14:brightnessContrast bright="40000" contrast="-40000"/>
-                    </a14:imgEffect>
-                  </a14:imgLayer>
-                </a14:imgProps>
-              </a:ext>
-              <a:ext uri="{28A0092B-C50C-407E-A947-70E740481C1C}">
-                <a14:useLocalDpi xmlns:a14="http://schemas.microsoft.com/office/drawing/2010/main" val="0"/>
-              </a:ext>
-            </a:extLst>
-          </a:blip>
-          <a:srcRect/>
-          <a:stretch>
-            <a:fillRect/>
-          </a:stretch>
-        </p:blipFill>
-        <p:spPr bwMode="auto">
-          <a:xfrm>
-            <a:off x="8285583" y="3602038"/>
-            <a:ext cx="3579283" cy="2684462"/>
-          </a:xfrm>
-          <a:prstGeom prst="rect">
-            <a:avLst/>
-          </a:prstGeom>
-          <a:noFill/>
-          <a:extLst>
-            <a:ext uri="{909E8E84-426E-40DD-AFC4-6F175D3DCCD1}">
-              <a14:hiddenFill xmlns:a14="http://schemas.microsoft.com/office/drawing/2010/main">
-                <a:solidFill>
-                  <a:srgbClr val="FFFFFF"/>
-                </a:solidFill>
-              </a14:hiddenFill>
-            </a:ext>
-          </a:extLst>
-        </p:spPr>
-      </p:pic>
     </p:spTree>
     <p:extLst>
       <p:ext uri="{BB962C8B-B14F-4D97-AF65-F5344CB8AC3E}">
@@ -3519,35 +3469,110 @@
           <a:bodyPr/>
           <a:lstStyle/>
           <a:p>
-            <a:endParaRPr lang="en-US"/>
-          </a:p>
-        </p:txBody>
-      </p:sp>
-      <p:sp>
-        <p:nvSpPr>
-          <p:cNvPr id="3" name="Объект 2">
-            <a:extLst>
-              <a:ext uri="{FF2B5EF4-FFF2-40B4-BE49-F238E27FC236}">
-                <a16:creationId xmlns:a16="http://schemas.microsoft.com/office/drawing/2014/main" id="{066BFF99-FA78-44BA-8C56-32F5448C4101}"/>
-              </a:ext>
-            </a:extLst>
-          </p:cNvPr>
-          <p:cNvSpPr>
-            <a:spLocks noGrp="1"/>
-          </p:cNvSpPr>
+            <a:r>
+              <a:rPr lang="ru-RU" dirty="0">
+                <a:latin typeface="EoSD" pitchFamily="2" charset="0"/>
+              </a:rPr>
+              <a:t>Характерные особенности 1</a:t>
+            </a:r>
+            <a:endParaRPr lang="en-US" dirty="0">
+              <a:latin typeface="EoSD" pitchFamily="2" charset="0"/>
+            </a:endParaRPr>
+          </a:p>
+        </p:txBody>
+      </p:sp>
+      <p:pic>
+        <p:nvPicPr>
+          <p:cNvPr id="1026" name="Picture 2" descr="undefined">
+            <a:extLst>
+              <a:ext uri="{FF2B5EF4-FFF2-40B4-BE49-F238E27FC236}">
+                <a16:creationId xmlns:a16="http://schemas.microsoft.com/office/drawing/2014/main" id="{2B09B182-CADD-41A0-BF23-BBC29847273C}"/>
+              </a:ext>
+            </a:extLst>
+          </p:cNvPr>
+          <p:cNvPicPr>
+            <a:picLocks noGrp="1" noChangeAspect="1" noChangeArrowheads="1"/>
+          </p:cNvPicPr>
           <p:nvPr>
             <p:ph idx="1"/>
           </p:nvPr>
-        </p:nvSpPr>
-        <p:spPr/>
-        <p:txBody>
-          <a:bodyPr/>
-          <a:lstStyle/>
-          <a:p>
-            <a:endParaRPr lang="en-US"/>
-          </a:p>
-        </p:txBody>
-      </p:sp>
+        </p:nvPicPr>
+        <p:blipFill rotWithShape="1">
+          <a:blip r:embed="rId2">
+            <a:extLst>
+              <a:ext uri="{28A0092B-C50C-407E-A947-70E740481C1C}">
+                <a14:useLocalDpi xmlns:a14="http://schemas.microsoft.com/office/drawing/2010/main" val="0"/>
+              </a:ext>
+            </a:extLst>
+          </a:blip>
+          <a:srcRect b="49826"/>
+          <a:stretch/>
+        </p:blipFill>
+        <p:spPr bwMode="auto">
+          <a:xfrm>
+            <a:off x="671803" y="2286793"/>
+            <a:ext cx="5252086" cy="3498187"/>
+          </a:xfrm>
+          <a:prstGeom prst="rect">
+            <a:avLst/>
+          </a:prstGeom>
+          <a:noFill/>
+          <a:extLst>
+            <a:ext uri="{909E8E84-426E-40DD-AFC4-6F175D3DCCD1}">
+              <a14:hiddenFill xmlns:a14="http://schemas.microsoft.com/office/drawing/2010/main">
+                <a:solidFill>
+                  <a:srgbClr val="FFFFFF"/>
+                </a:solidFill>
+              </a14:hiddenFill>
+            </a:ext>
+          </a:extLst>
+        </p:spPr>
+      </p:pic>
+      <p:pic>
+        <p:nvPicPr>
+          <p:cNvPr id="1028" name="Picture 4" descr="undefined">
+            <a:extLst>
+              <a:ext uri="{FF2B5EF4-FFF2-40B4-BE49-F238E27FC236}">
+                <a16:creationId xmlns:a16="http://schemas.microsoft.com/office/drawing/2014/main" id="{C13D10B5-7DF7-4525-B283-6BED0E4798BD}"/>
+              </a:ext>
+            </a:extLst>
+          </p:cNvPr>
+          <p:cNvPicPr>
+            <a:picLocks noChangeAspect="1" noChangeArrowheads="1"/>
+          </p:cNvPicPr>
+          <p:nvPr/>
+        </p:nvPicPr>
+        <p:blipFill rotWithShape="1">
+          <a:blip r:embed="rId2">
+            <a:extLst>
+              <a:ext uri="{28A0092B-C50C-407E-A947-70E740481C1C}">
+                <a14:useLocalDpi xmlns:a14="http://schemas.microsoft.com/office/drawing/2010/main" val="0"/>
+              </a:ext>
+            </a:extLst>
+          </a:blip>
+          <a:srcRect t="51077"/>
+          <a:stretch/>
+        </p:blipFill>
+        <p:spPr bwMode="auto">
+          <a:xfrm>
+            <a:off x="6354472" y="2090057"/>
+            <a:ext cx="5165725" cy="3355148"/>
+          </a:xfrm>
+          <a:prstGeom prst="rect">
+            <a:avLst/>
+          </a:prstGeom>
+          <a:noFill/>
+          <a:extLst>
+            <a:ext uri="{909E8E84-426E-40DD-AFC4-6F175D3DCCD1}">
+              <a14:hiddenFill xmlns:a14="http://schemas.microsoft.com/office/drawing/2010/main">
+                <a:solidFill>
+                  <a:srgbClr val="FFFFFF"/>
+                </a:solidFill>
+              </a14:hiddenFill>
+            </a:ext>
+          </a:extLst>
+        </p:spPr>
+      </p:pic>
     </p:spTree>
     <p:extLst>
       <p:ext uri="{BB962C8B-B14F-4D97-AF65-F5344CB8AC3E}">
@@ -3599,7 +3624,15 @@
           <a:bodyPr/>
           <a:lstStyle/>
           <a:p>
-            <a:endParaRPr lang="en-US"/>
+            <a:r>
+              <a:rPr lang="ru-RU" dirty="0">
+                <a:latin typeface="EoSD" pitchFamily="2" charset="0"/>
+              </a:rPr>
+              <a:t>Характерные особенности 2</a:t>
+            </a:r>
+            <a:endParaRPr lang="en-US" dirty="0">
+              <a:latin typeface="EoSD" pitchFamily="2" charset="0"/>
+            </a:endParaRPr>
           </a:p>
         </p:txBody>
       </p:sp>
@@ -3621,10 +3654,300 @@
         </p:nvSpPr>
         <p:spPr/>
         <p:txBody>
-          <a:bodyPr/>
-          <a:lstStyle/>
-          <a:p>
-            <a:endParaRPr lang="en-US"/>
+          <a:bodyPr>
+            <a:normAutofit fontScale="77500" lnSpcReduction="20000"/>
+          </a:bodyPr>
+          <a:lstStyle/>
+          <a:p>
+            <a:pPr algn="l">
+              <a:buFont typeface="+mj-lt"/>
+              <a:buAutoNum type="arabicPeriod"/>
+            </a:pPr>
+            <a:r>
+              <a:rPr lang="ru-RU" b="1" i="0" dirty="0">
+                <a:solidFill>
+                  <a:srgbClr val="0D0D0D"/>
+                </a:solidFill>
+                <a:effectLst/>
+                <a:latin typeface="EoSD" pitchFamily="2" charset="0"/>
+              </a:rPr>
+              <a:t>Потенциал покоя</a:t>
+            </a:r>
+            <a:r>
+              <a:rPr lang="ru-RU" b="0" i="0" dirty="0">
+                <a:solidFill>
+                  <a:srgbClr val="0D0D0D"/>
+                </a:solidFill>
+                <a:effectLst/>
+                <a:latin typeface="EoSD" pitchFamily="2" charset="0"/>
+              </a:rPr>
+              <a:t>: Нейрон при -70 мВ.</a:t>
+            </a:r>
+          </a:p>
+          <a:p>
+            <a:pPr algn="l">
+              <a:buFont typeface="+mj-lt"/>
+              <a:buAutoNum type="arabicPeriod"/>
+            </a:pPr>
+            <a:r>
+              <a:rPr lang="ru-RU" b="1" i="0" dirty="0">
+                <a:solidFill>
+                  <a:srgbClr val="0D0D0D"/>
+                </a:solidFill>
+                <a:effectLst/>
+                <a:latin typeface="EoSD" pitchFamily="2" charset="0"/>
+              </a:rPr>
+              <a:t>Пороговый потенциал</a:t>
+            </a:r>
+            <a:r>
+              <a:rPr lang="ru-RU" b="0" i="0" dirty="0">
+                <a:solidFill>
+                  <a:srgbClr val="0D0D0D"/>
+                </a:solidFill>
+                <a:effectLst/>
+                <a:latin typeface="EoSD" pitchFamily="2" charset="0"/>
+              </a:rPr>
+              <a:t>: Потенциал действия запускается при примерно -55 мВ.</a:t>
+            </a:r>
+          </a:p>
+          <a:p>
+            <a:pPr algn="l">
+              <a:buFont typeface="+mj-lt"/>
+              <a:buAutoNum type="arabicPeriod"/>
+            </a:pPr>
+            <a:r>
+              <a:rPr lang="ru-RU" b="1" i="0" dirty="0">
+                <a:solidFill>
+                  <a:srgbClr val="0D0D0D"/>
+                </a:solidFill>
+                <a:effectLst/>
+                <a:latin typeface="EoSD" pitchFamily="2" charset="0"/>
+              </a:rPr>
+              <a:t>Деполяризация</a:t>
+            </a:r>
+            <a:r>
+              <a:rPr lang="ru-RU" b="0" i="0" dirty="0">
+                <a:solidFill>
+                  <a:srgbClr val="0D0D0D"/>
+                </a:solidFill>
+                <a:effectLst/>
+                <a:latin typeface="EoSD" pitchFamily="2" charset="0"/>
+              </a:rPr>
+              <a:t>: Открываются натриевые (Na+) каналы, потенциал мембраны поднимается до +30 до +40 мВ.</a:t>
+            </a:r>
+          </a:p>
+          <a:p>
+            <a:pPr algn="l">
+              <a:buFont typeface="+mj-lt"/>
+              <a:buAutoNum type="arabicPeriod"/>
+            </a:pPr>
+            <a:r>
+              <a:rPr lang="ru-RU" b="1" i="0" dirty="0">
+                <a:solidFill>
+                  <a:srgbClr val="0D0D0D"/>
+                </a:solidFill>
+                <a:effectLst/>
+                <a:latin typeface="EoSD" pitchFamily="2" charset="0"/>
+              </a:rPr>
+              <a:t>Пик</a:t>
+            </a:r>
+            <a:r>
+              <a:rPr lang="ru-RU" b="0" i="0" dirty="0">
+                <a:solidFill>
+                  <a:srgbClr val="0D0D0D"/>
+                </a:solidFill>
+                <a:effectLst/>
+                <a:latin typeface="EoSD" pitchFamily="2" charset="0"/>
+              </a:rPr>
+              <a:t>: Максимально положительный заряд внутри нейрона.</a:t>
+            </a:r>
+          </a:p>
+          <a:p>
+            <a:pPr algn="l">
+              <a:buFont typeface="+mj-lt"/>
+              <a:buAutoNum type="arabicPeriod"/>
+            </a:pPr>
+            <a:r>
+              <a:rPr lang="ru-RU" b="1" i="0" dirty="0" err="1">
+                <a:solidFill>
+                  <a:srgbClr val="0D0D0D"/>
+                </a:solidFill>
+                <a:effectLst/>
+                <a:latin typeface="EoSD" pitchFamily="2" charset="0"/>
+              </a:rPr>
+              <a:t>Реполяризация</a:t>
+            </a:r>
+            <a:r>
+              <a:rPr lang="ru-RU" b="0" i="0" dirty="0">
+                <a:solidFill>
+                  <a:srgbClr val="0D0D0D"/>
+                </a:solidFill>
+                <a:effectLst/>
+                <a:latin typeface="EoSD" pitchFamily="2" charset="0"/>
+              </a:rPr>
+              <a:t>: Открываются калиевые (K+) каналы, потенциал мембраны возвращается к отрицательному.</a:t>
+            </a:r>
+          </a:p>
+          <a:p>
+            <a:pPr algn="l">
+              <a:buFont typeface="+mj-lt"/>
+              <a:buAutoNum type="arabicPeriod"/>
+            </a:pPr>
+            <a:r>
+              <a:rPr lang="ru-RU" b="1" i="0" dirty="0" err="1">
+                <a:solidFill>
+                  <a:srgbClr val="0D0D0D"/>
+                </a:solidFill>
+                <a:effectLst/>
+                <a:latin typeface="EoSD" pitchFamily="2" charset="0"/>
+              </a:rPr>
+              <a:t>Гиперполяризация</a:t>
+            </a:r>
+            <a:r>
+              <a:rPr lang="ru-RU" b="0" i="0" dirty="0">
+                <a:solidFill>
+                  <a:srgbClr val="0D0D0D"/>
+                </a:solidFill>
+                <a:effectLst/>
+                <a:latin typeface="EoSD" pitchFamily="2" charset="0"/>
+              </a:rPr>
+              <a:t>: Потенциал мембраны временно опускается ниже потенциала покоя.</a:t>
+            </a:r>
+          </a:p>
+          <a:p>
+            <a:pPr algn="l">
+              <a:buFont typeface="+mj-lt"/>
+              <a:buAutoNum type="arabicPeriod"/>
+            </a:pPr>
+            <a:r>
+              <a:rPr lang="ru-RU" b="1" i="0" dirty="0">
+                <a:solidFill>
+                  <a:srgbClr val="0D0D0D"/>
+                </a:solidFill>
+                <a:effectLst/>
+                <a:latin typeface="EoSD" pitchFamily="2" charset="0"/>
+              </a:rPr>
+              <a:t>Рефрактерные периоды</a:t>
+            </a:r>
+            <a:r>
+              <a:rPr lang="ru-RU" b="0" i="0" dirty="0">
+                <a:solidFill>
+                  <a:srgbClr val="0D0D0D"/>
+                </a:solidFill>
+                <a:effectLst/>
+                <a:latin typeface="EoSD" pitchFamily="2" charset="0"/>
+              </a:rPr>
+              <a:t>:</a:t>
+            </a:r>
+          </a:p>
+          <a:p>
+            <a:pPr marL="742950" lvl="1" indent="-285750" algn="l">
+              <a:buFont typeface="+mj-lt"/>
+              <a:buAutoNum type="arabicPeriod"/>
+            </a:pPr>
+            <a:r>
+              <a:rPr lang="ru-RU" b="1" i="0" dirty="0">
+                <a:solidFill>
+                  <a:srgbClr val="0D0D0D"/>
+                </a:solidFill>
+                <a:effectLst/>
+                <a:latin typeface="EoSD" pitchFamily="2" charset="0"/>
+              </a:rPr>
+              <a:t>Абсолютный</a:t>
+            </a:r>
+            <a:r>
+              <a:rPr lang="ru-RU" b="0" i="0" dirty="0">
+                <a:solidFill>
+                  <a:srgbClr val="0D0D0D"/>
+                </a:solidFill>
+                <a:effectLst/>
+                <a:latin typeface="EoSD" pitchFamily="2" charset="0"/>
+              </a:rPr>
+              <a:t>: Новый потенциал действия невозможен.</a:t>
+            </a:r>
+          </a:p>
+          <a:p>
+            <a:pPr marL="742950" lvl="1" indent="-285750" algn="l">
+              <a:buFont typeface="+mj-lt"/>
+              <a:buAutoNum type="arabicPeriod"/>
+            </a:pPr>
+            <a:r>
+              <a:rPr lang="ru-RU" b="1" i="0" dirty="0">
+                <a:solidFill>
+                  <a:srgbClr val="0D0D0D"/>
+                </a:solidFill>
+                <a:effectLst/>
+                <a:latin typeface="EoSD" pitchFamily="2" charset="0"/>
+              </a:rPr>
+              <a:t>Относительный</a:t>
+            </a:r>
+            <a:r>
+              <a:rPr lang="ru-RU" b="0" i="0" dirty="0">
+                <a:solidFill>
+                  <a:srgbClr val="0D0D0D"/>
+                </a:solidFill>
+                <a:effectLst/>
+                <a:latin typeface="EoSD" pitchFamily="2" charset="0"/>
+              </a:rPr>
+              <a:t>: Для нового потенциала действия требуется более сильный стимул.</a:t>
+            </a:r>
+          </a:p>
+          <a:p>
+            <a:pPr algn="l">
+              <a:buFont typeface="+mj-lt"/>
+              <a:buAutoNum type="arabicPeriod"/>
+            </a:pPr>
+            <a:r>
+              <a:rPr lang="ru-RU" b="1" i="0" dirty="0">
+                <a:solidFill>
+                  <a:srgbClr val="0D0D0D"/>
+                </a:solidFill>
+                <a:effectLst/>
+                <a:latin typeface="EoSD" pitchFamily="2" charset="0"/>
+              </a:rPr>
+              <a:t>Распространение</a:t>
+            </a:r>
+            <a:r>
+              <a:rPr lang="ru-RU" b="0" i="0" dirty="0">
+                <a:solidFill>
+                  <a:srgbClr val="0D0D0D"/>
+                </a:solidFill>
+                <a:effectLst/>
+                <a:latin typeface="EoSD" pitchFamily="2" charset="0"/>
+              </a:rPr>
+              <a:t>: Сигнал проходит по аксону без потери силы.</a:t>
+            </a:r>
+          </a:p>
+          <a:p>
+            <a:pPr algn="l">
+              <a:buFont typeface="+mj-lt"/>
+              <a:buAutoNum type="arabicPeriod"/>
+            </a:pPr>
+            <a:r>
+              <a:rPr lang="ru-RU" b="1" i="0" dirty="0">
+                <a:solidFill>
+                  <a:srgbClr val="0D0D0D"/>
+                </a:solidFill>
+                <a:effectLst/>
+                <a:latin typeface="EoSD" pitchFamily="2" charset="0"/>
+              </a:rPr>
+              <a:t>Принцип "всё или ничего"</a:t>
+            </a:r>
+            <a:r>
+              <a:rPr lang="ru-RU" b="0" i="0" dirty="0">
+                <a:solidFill>
+                  <a:srgbClr val="0D0D0D"/>
+                </a:solidFill>
+                <a:effectLst/>
+                <a:latin typeface="EoSD" pitchFamily="2" charset="0"/>
+              </a:rPr>
+              <a:t>: Потенциал действия возникает полностью, если достигнут порог.</a:t>
+            </a:r>
+          </a:p>
+          <a:p>
+            <a:endParaRPr lang="en-US" dirty="0">
+              <a:latin typeface="EoSD" pitchFamily="2" charset="0"/>
+            </a:endParaRPr>
           </a:p>
         </p:txBody>
       </p:sp>
@@ -3679,35 +4002,77 @@
           <a:bodyPr/>
           <a:lstStyle/>
           <a:p>
-            <a:endParaRPr lang="en-US"/>
-          </a:p>
-        </p:txBody>
-      </p:sp>
-      <p:sp>
-        <p:nvSpPr>
-          <p:cNvPr id="3" name="Объект 2">
-            <a:extLst>
-              <a:ext uri="{FF2B5EF4-FFF2-40B4-BE49-F238E27FC236}">
-                <a16:creationId xmlns:a16="http://schemas.microsoft.com/office/drawing/2014/main" id="{98684084-D839-47C6-9E84-8E907622AE19}"/>
-              </a:ext>
-            </a:extLst>
-          </p:cNvPr>
-          <p:cNvSpPr>
-            <a:spLocks noGrp="1"/>
-          </p:cNvSpPr>
+            <a:r>
+              <a:rPr lang="ru-RU" dirty="0">
+                <a:latin typeface="EoSD" pitchFamily="2" charset="0"/>
+              </a:rPr>
+              <a:t>Ионная природа ПД</a:t>
+            </a:r>
+            <a:endParaRPr lang="en-US" dirty="0">
+              <a:latin typeface="EoSD" pitchFamily="2" charset="0"/>
+            </a:endParaRPr>
+          </a:p>
+        </p:txBody>
+      </p:sp>
+      <p:pic>
+        <p:nvPicPr>
+          <p:cNvPr id="5" name="Объект 4">
+            <a:extLst>
+              <a:ext uri="{FF2B5EF4-FFF2-40B4-BE49-F238E27FC236}">
+                <a16:creationId xmlns:a16="http://schemas.microsoft.com/office/drawing/2014/main" id="{B02067C9-52F2-4199-BF49-359AD2E89B34}"/>
+              </a:ext>
+            </a:extLst>
+          </p:cNvPr>
+          <p:cNvPicPr>
+            <a:picLocks noGrp="1" noChangeAspect="1"/>
+          </p:cNvPicPr>
           <p:nvPr>
             <p:ph idx="1"/>
           </p:nvPr>
-        </p:nvSpPr>
-        <p:spPr/>
-        <p:txBody>
-          <a:bodyPr/>
-          <a:lstStyle/>
-          <a:p>
-            <a:endParaRPr lang="en-US"/>
-          </a:p>
-        </p:txBody>
-      </p:sp>
+        </p:nvPicPr>
+        <p:blipFill>
+          <a:blip r:embed="rId2"/>
+          <a:stretch>
+            <a:fillRect/>
+          </a:stretch>
+        </p:blipFill>
+        <p:spPr>
+          <a:xfrm>
+            <a:off x="838200" y="1742006"/>
+            <a:ext cx="6153485" cy="4351338"/>
+          </a:xfrm>
+        </p:spPr>
+      </p:pic>
+      <p:pic>
+        <p:nvPicPr>
+          <p:cNvPr id="7" name="Рисунок 6">
+            <a:extLst>
+              <a:ext uri="{FF2B5EF4-FFF2-40B4-BE49-F238E27FC236}">
+                <a16:creationId xmlns:a16="http://schemas.microsoft.com/office/drawing/2014/main" id="{27820D11-282E-42A2-B4C7-85B6E0E040F4}"/>
+              </a:ext>
+            </a:extLst>
+          </p:cNvPr>
+          <p:cNvPicPr>
+            <a:picLocks noChangeAspect="1"/>
+          </p:cNvPicPr>
+          <p:nvPr/>
+        </p:nvPicPr>
+        <p:blipFill>
+          <a:blip r:embed="rId3"/>
+          <a:stretch>
+            <a:fillRect/>
+          </a:stretch>
+        </p:blipFill>
+        <p:spPr>
+          <a:xfrm>
+            <a:off x="6991685" y="2784042"/>
+            <a:ext cx="4953691" cy="2267266"/>
+          </a:xfrm>
+          <a:prstGeom prst="rect">
+            <a:avLst/>
+          </a:prstGeom>
+        </p:spPr>
+      </p:pic>
     </p:spTree>
     <p:extLst>
       <p:ext uri="{BB962C8B-B14F-4D97-AF65-F5344CB8AC3E}">
@@ -3743,7 +4108,7 @@
           <p:cNvPr id="2" name="Заголовок 1">
             <a:extLst>
               <a:ext uri="{FF2B5EF4-FFF2-40B4-BE49-F238E27FC236}">
-                <a16:creationId xmlns:a16="http://schemas.microsoft.com/office/drawing/2014/main" id="{C7296E38-E86E-41E9-B467-9D2C08C6389C}"/>
+                <a16:creationId xmlns:a16="http://schemas.microsoft.com/office/drawing/2014/main" id="{FFAC7058-995A-4E0E-B64A-7413E3FCB5A8}"/>
               </a:ext>
             </a:extLst>
           </p:cNvPr>
@@ -3759,7 +4124,39 @@
           <a:bodyPr/>
           <a:lstStyle/>
           <a:p>
-            <a:endParaRPr lang="en-US"/>
+            <a:r>
+              <a:rPr lang="ru-RU" dirty="0">
+                <a:latin typeface="EoSD" pitchFamily="2" charset="0"/>
+              </a:rPr>
+              <a:t>Какие-то умные слова про </a:t>
+            </a:r>
+            <a:r>
+              <a:rPr lang="en-US" dirty="0">
+                <a:latin typeface="EoSD" pitchFamily="2" charset="0"/>
+              </a:rPr>
+              <a:t>m </a:t>
+            </a:r>
+            <a:r>
+              <a:rPr lang="ru-RU" dirty="0">
+                <a:latin typeface="EoSD" pitchFamily="2" charset="0"/>
+              </a:rPr>
+              <a:t>и </a:t>
+            </a:r>
+            <a:r>
+              <a:rPr lang="en-US" dirty="0">
+                <a:latin typeface="EoSD" pitchFamily="2" charset="0"/>
+              </a:rPr>
+              <a:t>h </a:t>
+            </a:r>
+            <a:r>
+              <a:rPr lang="ru-RU" dirty="0">
+                <a:latin typeface="EoSD" pitchFamily="2" charset="0"/>
+              </a:rPr>
+              <a:t>ворота</a:t>
+            </a:r>
+            <a:endParaRPr lang="en-US" dirty="0">
+              <a:latin typeface="EoSD" pitchFamily="2" charset="0"/>
+            </a:endParaRPr>
           </a:p>
         </p:txBody>
       </p:sp>
@@ -3768,7 +4165,7 @@
           <p:cNvPr id="3" name="Объект 2">
             <a:extLst>
               <a:ext uri="{FF2B5EF4-FFF2-40B4-BE49-F238E27FC236}">
-                <a16:creationId xmlns:a16="http://schemas.microsoft.com/office/drawing/2014/main" id="{D6E4C89E-4E9C-4D35-99C2-A374118BEB13}"/>
+                <a16:creationId xmlns:a16="http://schemas.microsoft.com/office/drawing/2014/main" id="{D26F385C-C695-49D0-BADA-F4D58D212C38}"/>
               </a:ext>
             </a:extLst>
           </p:cNvPr>
@@ -3781,17 +4178,166 @@
         </p:nvSpPr>
         <p:spPr/>
         <p:txBody>
-          <a:bodyPr/>
-          <a:lstStyle/>
-          <a:p>
-            <a:endParaRPr lang="en-US"/>
+          <a:bodyPr>
+            <a:normAutofit fontScale="92500" lnSpcReduction="10000"/>
+          </a:bodyPr>
+          <a:lstStyle/>
+          <a:p>
+            <a:pPr algn="l"/>
+            <a:r>
+              <a:rPr lang="ru-RU" b="0" i="0" dirty="0">
+                <a:solidFill>
+                  <a:srgbClr val="000000"/>
+                </a:solidFill>
+                <a:effectLst/>
+                <a:latin typeface="EoSD" pitchFamily="2" charset="0"/>
+              </a:rPr>
+              <a:t>Внутри клетки импульс передается по ионным каналам. Ионные каналы могут закрываться специальными воротами. Закрытие и открытие ионных каналов может проходить под воздействием различных факторов. Те каналы, которые открываются под действием электрического тока называются потенциал-зависимые. Остальные – потенциал-независимые, открываются под действием либо химических веществ, либо под механическим воздействием.</a:t>
+            </a:r>
+          </a:p>
+          <a:p>
+            <a:pPr algn="l"/>
+            <a:r>
+              <a:rPr lang="ru-RU" b="0" i="0" dirty="0">
+                <a:solidFill>
+                  <a:srgbClr val="000000"/>
+                </a:solidFill>
+                <a:effectLst/>
+                <a:latin typeface="EoSD" pitchFamily="2" charset="0"/>
+              </a:rPr>
+              <a:t>Воротный механизм имеет 2 уровня закрытия: быстрые и медленные ворота. Они работают сочетано друг с другом. При открытии медленных ворот ионы заполняют канал и находятся в готовности к движению. Когда открываются быстрые ворота, ионы проходят через канал и начинается закрытие медленных ворот. Когда медленные ворота прекратят движение ионов, закроются быстрые, а медленные снова начнут открываться.</a:t>
+            </a:r>
+          </a:p>
+          <a:p>
+            <a:pPr marL="0" indent="0">
+              <a:buNone/>
+            </a:pPr>
+            <a:endParaRPr lang="en-US" dirty="0">
+              <a:latin typeface="EoSD" pitchFamily="2" charset="0"/>
+            </a:endParaRPr>
           </a:p>
         </p:txBody>
       </p:sp>
     </p:spTree>
     <p:extLst>
       <p:ext uri="{BB962C8B-B14F-4D97-AF65-F5344CB8AC3E}">
-        <p14:creationId xmlns:p14="http://schemas.microsoft.com/office/powerpoint/2010/main" val="2212281973"/>
+        <p14:creationId xmlns:p14="http://schemas.microsoft.com/office/powerpoint/2010/main" val="858266436"/>
+      </p:ext>
+    </p:extLst>
+  </p:cSld>
+  <p:clrMapOvr>
+    <a:masterClrMapping/>
+  </p:clrMapOvr>
+</p:sld>
+</file>
+
+<file path=ppt/slides/slide6.xml><?xml version="1.0" encoding="utf-8"?>
+<p:sld xmlns:a="http://schemas.openxmlformats.org/drawingml/2006/main" xmlns:r="http://schemas.openxmlformats.org/officeDocument/2006/relationships" xmlns:p="http://schemas.openxmlformats.org/presentationml/2006/main">
+  <p:cSld>
+    <p:spTree>
+      <p:nvGrpSpPr>
+        <p:cNvPr id="1" name=""/>
+        <p:cNvGrpSpPr/>
+        <p:nvPr/>
+      </p:nvGrpSpPr>
+      <p:grpSpPr>
+        <a:xfrm>
+          <a:off x="0" y="0"/>
+          <a:ext cx="0" cy="0"/>
+          <a:chOff x="0" y="0"/>
+          <a:chExt cx="0" cy="0"/>
+        </a:xfrm>
+      </p:grpSpPr>
+      <p:sp>
+        <p:nvSpPr>
+          <p:cNvPr id="2" name="Заголовок 1">
+            <a:extLst>
+              <a:ext uri="{FF2B5EF4-FFF2-40B4-BE49-F238E27FC236}">
+                <a16:creationId xmlns:a16="http://schemas.microsoft.com/office/drawing/2014/main" id="{FFAC7058-995A-4E0E-B64A-7413E3FCB5A8}"/>
+              </a:ext>
+            </a:extLst>
+          </p:cNvPr>
+          <p:cNvSpPr>
+            <a:spLocks noGrp="1"/>
+          </p:cNvSpPr>
+          <p:nvPr>
+            <p:ph type="title"/>
+          </p:nvPr>
+        </p:nvSpPr>
+        <p:spPr/>
+        <p:txBody>
+          <a:bodyPr/>
+          <a:lstStyle/>
+          <a:p>
+            <a:r>
+              <a:rPr lang="ru-RU" dirty="0">
+                <a:latin typeface="EoSD" pitchFamily="2" charset="0"/>
+              </a:rPr>
+              <a:t>Какие-то умные слова про </a:t>
+            </a:r>
+            <a:r>
+              <a:rPr lang="en-US" dirty="0">
+                <a:latin typeface="EoSD" pitchFamily="2" charset="0"/>
+              </a:rPr>
+              <a:t>m </a:t>
+            </a:r>
+            <a:r>
+              <a:rPr lang="ru-RU" dirty="0">
+                <a:latin typeface="EoSD" pitchFamily="2" charset="0"/>
+              </a:rPr>
+              <a:t>и </a:t>
+            </a:r>
+            <a:r>
+              <a:rPr lang="en-US" dirty="0">
+                <a:latin typeface="EoSD" pitchFamily="2" charset="0"/>
+              </a:rPr>
+              <a:t>h </a:t>
+            </a:r>
+            <a:r>
+              <a:rPr lang="ru-RU" dirty="0">
+                <a:latin typeface="EoSD" pitchFamily="2" charset="0"/>
+              </a:rPr>
+              <a:t>ворота</a:t>
+            </a:r>
+            <a:endParaRPr lang="en-US" dirty="0">
+              <a:latin typeface="EoSD" pitchFamily="2" charset="0"/>
+            </a:endParaRPr>
+          </a:p>
+        </p:txBody>
+      </p:sp>
+      <p:pic>
+        <p:nvPicPr>
+          <p:cNvPr id="7" name="Объект 6">
+            <a:extLst>
+              <a:ext uri="{FF2B5EF4-FFF2-40B4-BE49-F238E27FC236}">
+                <a16:creationId xmlns:a16="http://schemas.microsoft.com/office/drawing/2014/main" id="{A25B1443-4FEC-4632-9D7D-AC47A4F047C3}"/>
+              </a:ext>
+            </a:extLst>
+          </p:cNvPr>
+          <p:cNvPicPr>
+            <a:picLocks noGrp="1" noChangeAspect="1"/>
+          </p:cNvPicPr>
+          <p:nvPr>
+            <p:ph idx="1"/>
+          </p:nvPr>
+        </p:nvPicPr>
+        <p:blipFill>
+          <a:blip r:embed="rId2"/>
+          <a:stretch>
+            <a:fillRect/>
+          </a:stretch>
+        </p:blipFill>
+        <p:spPr>
+          <a:xfrm>
+            <a:off x="1272187" y="1825625"/>
+            <a:ext cx="9647625" cy="4351338"/>
+          </a:xfrm>
+        </p:spPr>
+      </p:pic>
+    </p:spTree>
+    <p:extLst>
+      <p:ext uri="{BB962C8B-B14F-4D97-AF65-F5344CB8AC3E}">
+        <p14:creationId xmlns:p14="http://schemas.microsoft.com/office/powerpoint/2010/main" val="3072528684"/>
       </p:ext>
     </p:extLst>
   </p:cSld>
